--- a/4. UI/Day 33/Slides/12. Navigation and Routing Additional Techniques/navigation-and-routing-additional-techniques-slides.pptx
+++ b/4. UI/Day 33/Slides/12. Navigation and Routing Additional Techniques/navigation-and-routing-additional-techniques-slides.pptx
@@ -5,35 +5,35 @@
     <p:sldMasterId id="2147483648" r:id="rId1"/>
   </p:sldMasterIdLst>
   <p:notesMasterIdLst>
-    <p:notesMasterId r:id="rId29"/>
+    <p:notesMasterId r:id="rId28"/>
   </p:notesMasterIdLst>
   <p:sldIdLst>
-    <p:sldId id="256" r:id="rId3"/>
-    <p:sldId id="257" r:id="rId4"/>
-    <p:sldId id="258" r:id="rId5"/>
-    <p:sldId id="259" r:id="rId6"/>
-    <p:sldId id="260" r:id="rId7"/>
-    <p:sldId id="261" r:id="rId8"/>
-    <p:sldId id="262" r:id="rId9"/>
-    <p:sldId id="263" r:id="rId10"/>
-    <p:sldId id="264" r:id="rId11"/>
-    <p:sldId id="265" r:id="rId12"/>
-    <p:sldId id="266" r:id="rId13"/>
-    <p:sldId id="267" r:id="rId14"/>
-    <p:sldId id="268" r:id="rId15"/>
-    <p:sldId id="269" r:id="rId16"/>
-    <p:sldId id="270" r:id="rId17"/>
-    <p:sldId id="271" r:id="rId18"/>
-    <p:sldId id="272" r:id="rId19"/>
-    <p:sldId id="273" r:id="rId20"/>
-    <p:sldId id="274" r:id="rId21"/>
-    <p:sldId id="275" r:id="rId22"/>
-    <p:sldId id="276" r:id="rId23"/>
-    <p:sldId id="277" r:id="rId24"/>
-    <p:sldId id="278" r:id="rId25"/>
-    <p:sldId id="280" r:id="rId26"/>
-    <p:sldId id="281" r:id="rId27"/>
-    <p:sldId id="282" r:id="rId28"/>
+    <p:sldId id="256" r:id="rId2"/>
+    <p:sldId id="257" r:id="rId3"/>
+    <p:sldId id="258" r:id="rId4"/>
+    <p:sldId id="259" r:id="rId5"/>
+    <p:sldId id="260" r:id="rId6"/>
+    <p:sldId id="261" r:id="rId7"/>
+    <p:sldId id="262" r:id="rId8"/>
+    <p:sldId id="263" r:id="rId9"/>
+    <p:sldId id="264" r:id="rId10"/>
+    <p:sldId id="265" r:id="rId11"/>
+    <p:sldId id="266" r:id="rId12"/>
+    <p:sldId id="267" r:id="rId13"/>
+    <p:sldId id="268" r:id="rId14"/>
+    <p:sldId id="269" r:id="rId15"/>
+    <p:sldId id="270" r:id="rId16"/>
+    <p:sldId id="271" r:id="rId17"/>
+    <p:sldId id="272" r:id="rId18"/>
+    <p:sldId id="273" r:id="rId19"/>
+    <p:sldId id="274" r:id="rId20"/>
+    <p:sldId id="275" r:id="rId21"/>
+    <p:sldId id="276" r:id="rId22"/>
+    <p:sldId id="277" r:id="rId23"/>
+    <p:sldId id="278" r:id="rId24"/>
+    <p:sldId id="280" r:id="rId25"/>
+    <p:sldId id="281" r:id="rId26"/>
+    <p:sldId id="282" r:id="rId27"/>
   </p:sldIdLst>
   <p:sldSz cx="18288000" cy="10287000"/>
   <p:notesSz cx="18288000" cy="10287000"/>
@@ -129,6 +129,22 @@
       </a:defRPr>
     </a:lvl9pPr>
   </p:defaultTextStyle>
+  <p:extLst>
+    <p:ext uri="{EFAFB233-063F-42B5-8137-9DF3F51BA10A}">
+      <p15:sldGuideLst xmlns:p15="http://schemas.microsoft.com/office/powerpoint/2012/main">
+        <p15:guide id="1" orient="horz" pos="2880">
+          <p15:clr>
+            <a:srgbClr val="A4A3A4"/>
+          </p15:clr>
+        </p15:guide>
+        <p15:guide id="2" pos="2160">
+          <p15:clr>
+            <a:srgbClr val="A4A3A4"/>
+          </p15:clr>
+        </p15:guide>
+      </p15:sldGuideLst>
+    </p:ext>
+  </p:extLst>
 </p:presentation>
 </file>
 
@@ -214,6 +230,7 @@
           <a:p>
             <a:fld id="{3EFD42F7-718C-4B98-AAEC-167E6DDD60A7}" type="datetimeFigureOut">
               <a:rPr lang="en-US" smtClean="0"/>
+              <a:t>5/6/2023</a:t>
             </a:fld>
             <a:endParaRPr lang="en-US"/>
           </a:p>
@@ -277,42 +294,37 @@
           <a:p>
             <a:pPr lvl="0"/>
             <a:r>
-              <a:rPr lang="en-US" smtClean="0"/>
+              <a:rPr lang="en-US"/>
               <a:t>Click to edit Master text styles</a:t>
             </a:r>
-            <a:endParaRPr lang="en-US" smtClean="0"/>
           </a:p>
           <a:p>
             <a:pPr lvl="1"/>
             <a:r>
-              <a:rPr lang="en-US" smtClean="0"/>
+              <a:rPr lang="en-US"/>
               <a:t>Second level</a:t>
             </a:r>
-            <a:endParaRPr lang="en-US" smtClean="0"/>
           </a:p>
           <a:p>
             <a:pPr lvl="2"/>
             <a:r>
-              <a:rPr lang="en-US" smtClean="0"/>
+              <a:rPr lang="en-US"/>
               <a:t>Third level</a:t>
             </a:r>
-            <a:endParaRPr lang="en-US" smtClean="0"/>
           </a:p>
           <a:p>
             <a:pPr lvl="3"/>
             <a:r>
-              <a:rPr lang="en-US" smtClean="0"/>
+              <a:rPr lang="en-US"/>
               <a:t>Fourth level</a:t>
             </a:r>
-            <a:endParaRPr lang="en-US" smtClean="0"/>
           </a:p>
           <a:p>
             <a:pPr lvl="4"/>
             <a:r>
-              <a:rPr lang="en-US" smtClean="0"/>
+              <a:rPr lang="en-US"/>
               <a:t>Fifth level</a:t>
             </a:r>
-            <a:endParaRPr lang="en-US"/>
           </a:p>
         </p:txBody>
       </p:sp>
@@ -376,6 +388,7 @@
           <a:p>
             <a:fld id="{21B2AA4F-B828-4D7C-AFD3-893933DAFCB4}" type="slidenum">
               <a:rPr lang="en-US" smtClean="0"/>
+              <a:t>‹#›</a:t>
             </a:fld>
             <a:endParaRPr lang="en-US"/>
           </a:p>
@@ -480,7 +493,7 @@
 </file>
 
 <file path=ppt/slideLayouts/slideLayout1.xml><?xml version="1.0" encoding="utf-8"?>
-<p:sldLayout xmlns:a="http://schemas.openxmlformats.org/drawingml/2006/main" xmlns:r="http://schemas.openxmlformats.org/officeDocument/2006/relationships" xmlns:p="http://schemas.openxmlformats.org/presentationml/2006/main" type="obj" preserve="1" showMasterSp="0">
+<p:sldLayout xmlns:a="http://schemas.openxmlformats.org/drawingml/2006/main" xmlns:r="http://schemas.openxmlformats.org/officeDocument/2006/relationships" xmlns:p="http://schemas.openxmlformats.org/presentationml/2006/main" showMasterSp="0" type="obj" preserve="1">
   <p:cSld name="Title Slide">
     <p:bg>
       <p:bgPr>
@@ -558,7 +571,9 @@
               </a:defRPr>
             </a:lvl1pPr>
           </a:lstStyle>
-          <a:p/>
+          <a:p>
+            <a:endParaRPr dirty="0"/>
+          </a:p>
         </p:txBody>
       </p:sp>
       <p:sp>
@@ -589,7 +604,9 @@
               <a:defRPr/>
             </a:lvl1pPr>
           </a:lstStyle>
-          <a:p/>
+          <a:p>
+            <a:endParaRPr/>
+          </a:p>
         </p:txBody>
       </p:sp>
       <p:sp>
@@ -616,7 +633,9 @@
               </a:defRPr>
             </a:lvl1pPr>
           </a:lstStyle>
-          <a:p/>
+          <a:p>
+            <a:endParaRPr/>
+          </a:p>
         </p:txBody>
       </p:sp>
       <p:sp>
@@ -646,6 +665,7 @@
           <a:p>
             <a:fld id="{1D8BD707-D9CF-40AE-B4C6-C98DA3205C09}" type="datetimeFigureOut">
               <a:rPr lang="en-US"/>
+              <a:t>5/6/2023</a:t>
             </a:fld>
             <a:endParaRPr lang="en-US"/>
           </a:p>
@@ -678,6 +698,7 @@
           <a:p>
             <a:fld id="{B6F15528-21DE-4FAA-801E-634DDDAF4B2B}" type="slidenum">
               <a:rPr/>
+              <a:t>‹#›</a:t>
             </a:fld>
             <a:endParaRPr/>
           </a:p>
@@ -733,7 +754,9 @@
               </a:defRPr>
             </a:lvl1pPr>
           </a:lstStyle>
-          <a:p/>
+          <a:p>
+            <a:endParaRPr/>
+          </a:p>
         </p:txBody>
       </p:sp>
       <p:sp>
@@ -760,7 +783,9 @@
               </a:defRPr>
             </a:lvl1pPr>
           </a:lstStyle>
-          <a:p/>
+          <a:p>
+            <a:endParaRPr/>
+          </a:p>
         </p:txBody>
       </p:sp>
       <p:sp>
@@ -787,7 +812,9 @@
               </a:defRPr>
             </a:lvl1pPr>
           </a:lstStyle>
-          <a:p/>
+          <a:p>
+            <a:endParaRPr/>
+          </a:p>
         </p:txBody>
       </p:sp>
       <p:sp>
@@ -817,6 +844,7 @@
           <a:p>
             <a:fld id="{1D8BD707-D9CF-40AE-B4C6-C98DA3205C09}" type="datetimeFigureOut">
               <a:rPr lang="en-US"/>
+              <a:t>5/6/2023</a:t>
             </a:fld>
             <a:endParaRPr lang="en-US"/>
           </a:p>
@@ -849,6 +877,7 @@
           <a:p>
             <a:fld id="{B6F15528-21DE-4FAA-801E-634DDDAF4B2B}" type="slidenum">
               <a:rPr/>
+              <a:t>‹#›</a:t>
             </a:fld>
             <a:endParaRPr/>
           </a:p>
@@ -904,7 +933,9 @@
               </a:defRPr>
             </a:lvl1pPr>
           </a:lstStyle>
-          <a:p/>
+          <a:p>
+            <a:endParaRPr/>
+          </a:p>
         </p:txBody>
       </p:sp>
       <p:sp>
@@ -935,7 +966,9 @@
               <a:defRPr/>
             </a:lvl1pPr>
           </a:lstStyle>
-          <a:p/>
+          <a:p>
+            <a:endParaRPr/>
+          </a:p>
         </p:txBody>
       </p:sp>
       <p:sp>
@@ -966,7 +999,9 @@
               <a:defRPr/>
             </a:lvl1pPr>
           </a:lstStyle>
-          <a:p/>
+          <a:p>
+            <a:endParaRPr/>
+          </a:p>
         </p:txBody>
       </p:sp>
       <p:sp>
@@ -993,7 +1028,9 @@
               </a:defRPr>
             </a:lvl1pPr>
           </a:lstStyle>
-          <a:p/>
+          <a:p>
+            <a:endParaRPr/>
+          </a:p>
         </p:txBody>
       </p:sp>
       <p:sp>
@@ -1023,6 +1060,7 @@
           <a:p>
             <a:fld id="{1D8BD707-D9CF-40AE-B4C6-C98DA3205C09}" type="datetimeFigureOut">
               <a:rPr lang="en-US"/>
+              <a:t>5/6/2023</a:t>
             </a:fld>
             <a:endParaRPr lang="en-US"/>
           </a:p>
@@ -1055,6 +1093,7 @@
           <a:p>
             <a:fld id="{B6F15528-21DE-4FAA-801E-634DDDAF4B2B}" type="slidenum">
               <a:rPr/>
+              <a:t>‹#›</a:t>
             </a:fld>
             <a:endParaRPr/>
           </a:p>
@@ -1110,7 +1149,9 @@
               </a:defRPr>
             </a:lvl1pPr>
           </a:lstStyle>
-          <a:p/>
+          <a:p>
+            <a:endParaRPr/>
+          </a:p>
         </p:txBody>
       </p:sp>
       <p:sp>
@@ -1137,7 +1178,9 @@
               </a:defRPr>
             </a:lvl1pPr>
           </a:lstStyle>
-          <a:p/>
+          <a:p>
+            <a:endParaRPr/>
+          </a:p>
         </p:txBody>
       </p:sp>
       <p:sp>
@@ -1167,6 +1210,7 @@
           <a:p>
             <a:fld id="{1D8BD707-D9CF-40AE-B4C6-C98DA3205C09}" type="datetimeFigureOut">
               <a:rPr lang="en-US"/>
+              <a:t>5/6/2023</a:t>
             </a:fld>
             <a:endParaRPr lang="en-US"/>
           </a:p>
@@ -1199,6 +1243,7 @@
           <a:p>
             <a:fld id="{B6F15528-21DE-4FAA-801E-634DDDAF4B2B}" type="slidenum">
               <a:rPr/>
+              <a:t>‹#›</a:t>
             </a:fld>
             <a:endParaRPr/>
           </a:p>
@@ -1254,7 +1299,9 @@
               </a:defRPr>
             </a:lvl1pPr>
           </a:lstStyle>
-          <a:p/>
+          <a:p>
+            <a:endParaRPr/>
+          </a:p>
         </p:txBody>
       </p:sp>
       <p:sp>
@@ -1284,6 +1331,7 @@
           <a:p>
             <a:fld id="{1D8BD707-D9CF-40AE-B4C6-C98DA3205C09}" type="datetimeFigureOut">
               <a:rPr lang="en-US"/>
+              <a:t>5/6/2023</a:t>
             </a:fld>
             <a:endParaRPr lang="en-US"/>
           </a:p>
@@ -1316,6 +1364,7 @@
           <a:p>
             <a:fld id="{B6F15528-21DE-4FAA-801E-634DDDAF4B2B}" type="slidenum">
               <a:rPr/>
+              <a:t>‹#›</a:t>
             </a:fld>
             <a:endParaRPr/>
           </a:p>
@@ -1389,7 +1438,9 @@
               </a:defRPr>
             </a:lvl1pPr>
           </a:lstStyle>
-          <a:p/>
+          <a:p>
+            <a:endParaRPr/>
+          </a:p>
         </p:txBody>
       </p:sp>
       <p:sp>
@@ -1426,7 +1477,9 @@
               </a:defRPr>
             </a:lvl1pPr>
           </a:lstStyle>
-          <a:p/>
+          <a:p>
+            <a:endParaRPr/>
+          </a:p>
         </p:txBody>
       </p:sp>
       <p:sp>
@@ -1463,7 +1516,9 @@
               </a:defRPr>
             </a:lvl1pPr>
           </a:lstStyle>
-          <a:p/>
+          <a:p>
+            <a:endParaRPr/>
+          </a:p>
         </p:txBody>
       </p:sp>
       <p:sp>
@@ -1503,6 +1558,7 @@
           <a:p>
             <a:fld id="{1D8BD707-D9CF-40AE-B4C6-C98DA3205C09}" type="datetimeFigureOut">
               <a:rPr lang="en-US"/>
+              <a:t>5/6/2023</a:t>
             </a:fld>
             <a:endParaRPr lang="en-US"/>
           </a:p>
@@ -1545,6 +1601,7 @@
           <a:p>
             <a:fld id="{B6F15528-21DE-4FAA-801E-634DDDAF4B2B}" type="slidenum">
               <a:rPr/>
+              <a:t>‹#›</a:t>
             </a:fld>
             <a:endParaRPr/>
           </a:p>
@@ -1729,7 +1786,7 @@
           <p:nvPr/>
         </p:nvPicPr>
         <p:blipFill>
-          <a:blip r:embed="rId1" cstate="print"/>
+          <a:blip r:embed="rId2" cstate="print"/>
           <a:stretch>
             <a:fillRect/>
           </a:stretch>
@@ -1860,9 +1917,11 @@
         <p:spPr/>
         <p:txBody>
           <a:bodyPr/>
+          <a:lstStyle/>
           <a:p>
             <a:fld id="{B6F15528-21DE-4FAA-801E-634DDDAF4B2B}" type="slidenum">
               <a:rPr/>
+              <a:t>1</a:t>
             </a:fld>
             <a:endParaRPr/>
           </a:p>
@@ -1930,7 +1989,9 @@
         <p:txBody>
           <a:bodyPr wrap="square" lIns="0" tIns="0" rIns="0" bIns="0" rtlCol="0"/>
           <a:lstStyle/>
-          <a:p/>
+          <a:p>
+            <a:endParaRPr/>
+          </a:p>
         </p:txBody>
       </p:sp>
       <p:sp>
@@ -1970,7 +2031,9 @@
         <p:txBody>
           <a:bodyPr wrap="square" lIns="0" tIns="0" rIns="0" bIns="0" rtlCol="0"/>
           <a:lstStyle/>
-          <a:p/>
+          <a:p>
+            <a:endParaRPr/>
+          </a:p>
         </p:txBody>
       </p:sp>
       <p:sp>
@@ -2010,7 +2073,9 @@
         <p:txBody>
           <a:bodyPr wrap="square" lIns="0" tIns="0" rIns="0" bIns="0" rtlCol="0"/>
           <a:lstStyle/>
-          <a:p/>
+          <a:p>
+            <a:endParaRPr/>
+          </a:p>
         </p:txBody>
       </p:sp>
       <p:sp>
@@ -2078,7 +2143,6 @@
               <a:rPr spc="15" dirty="0"/>
               <a:t>Route</a:t>
             </a:r>
-            <a:endParaRPr spc="15" dirty="0"/>
           </a:p>
         </p:txBody>
       </p:sp>
@@ -3060,7 +3124,7 @@
           <p:nvPr/>
         </p:nvPicPr>
         <p:blipFill>
-          <a:blip r:embed="rId1" cstate="print"/>
+          <a:blip r:embed="rId2" cstate="print"/>
           <a:stretch>
             <a:fillRect/>
           </a:stretch>
@@ -3082,7 +3146,7 @@
           <p:nvPr/>
         </p:nvPicPr>
         <p:blipFill>
-          <a:blip r:embed="rId2" cstate="print"/>
+          <a:blip r:embed="rId3" cstate="print"/>
           <a:stretch>
             <a:fillRect/>
           </a:stretch>
@@ -3236,7 +3300,7 @@
           <p:nvPr/>
         </p:nvPicPr>
         <p:blipFill>
-          <a:blip r:embed="rId3" cstate="print"/>
+          <a:blip r:embed="rId4" cstate="print"/>
           <a:stretch>
             <a:fillRect/>
           </a:stretch>
@@ -3264,9 +3328,11 @@
         <p:spPr/>
         <p:txBody>
           <a:bodyPr/>
+          <a:lstStyle/>
           <a:p>
             <a:fld id="{B6F15528-21DE-4FAA-801E-634DDDAF4B2B}" type="slidenum">
               <a:rPr/>
+              <a:t>10</a:t>
             </a:fld>
             <a:endParaRPr/>
           </a:p>
@@ -3502,9 +3568,11 @@
         <p:spPr/>
         <p:txBody>
           <a:bodyPr/>
+          <a:lstStyle/>
           <a:p>
             <a:fld id="{B6F15528-21DE-4FAA-801E-634DDDAF4B2B}" type="slidenum">
               <a:rPr/>
+              <a:t>11</a:t>
             </a:fld>
             <a:endParaRPr/>
           </a:p>
@@ -3720,9 +3788,11 @@
         <p:spPr/>
         <p:txBody>
           <a:bodyPr/>
+          <a:lstStyle/>
           <a:p>
             <a:fld id="{B6F15528-21DE-4FAA-801E-634DDDAF4B2B}" type="slidenum">
               <a:rPr/>
+              <a:t>12</a:t>
             </a:fld>
             <a:endParaRPr/>
           </a:p>
@@ -3822,7 +3892,6 @@
               <a:rPr spc="80" dirty="0"/>
               <a:t>Code</a:t>
             </a:r>
-            <a:endParaRPr spc="80" dirty="0"/>
           </a:p>
         </p:txBody>
       </p:sp>
@@ -3833,7 +3902,7 @@
           <p:nvPr/>
         </p:nvPicPr>
         <p:blipFill>
-          <a:blip r:embed="rId1" cstate="print"/>
+          <a:blip r:embed="rId2" cstate="print"/>
           <a:stretch>
             <a:fillRect/>
           </a:stretch>
@@ -3861,9 +3930,11 @@
         <p:spPr/>
         <p:txBody>
           <a:bodyPr/>
+          <a:lstStyle/>
           <a:p>
             <a:fld id="{B6F15528-21DE-4FAA-801E-634DDDAF4B2B}" type="slidenum">
               <a:rPr/>
+              <a:t>13</a:t>
             </a:fld>
             <a:endParaRPr/>
           </a:p>
@@ -3963,7 +4034,6 @@
               <a:rPr spc="80" dirty="0"/>
               <a:t>Code</a:t>
             </a:r>
-            <a:endParaRPr spc="80" dirty="0"/>
           </a:p>
         </p:txBody>
       </p:sp>
@@ -4028,7 +4098,9 @@
           <p:txBody>
             <a:bodyPr wrap="square" lIns="0" tIns="0" rIns="0" bIns="0" rtlCol="0"/>
             <a:lstStyle/>
-            <a:p/>
+            <a:p>
+              <a:endParaRPr/>
+            </a:p>
           </p:txBody>
         </p:sp>
         <p:sp>
@@ -4076,7 +4148,9 @@
           <p:txBody>
             <a:bodyPr wrap="square" lIns="0" tIns="0" rIns="0" bIns="0" rtlCol="0"/>
             <a:lstStyle/>
-            <a:p/>
+            <a:p>
+              <a:endParaRPr/>
+            </a:p>
           </p:txBody>
         </p:sp>
         <p:sp>
@@ -4126,7 +4200,9 @@
           <p:txBody>
             <a:bodyPr wrap="square" lIns="0" tIns="0" rIns="0" bIns="0" rtlCol="0"/>
             <a:lstStyle/>
-            <a:p/>
+            <a:p>
+              <a:endParaRPr/>
+            </a:p>
           </p:txBody>
         </p:sp>
       </p:grpSp>
@@ -4493,9 +4569,11 @@
         <p:spPr/>
         <p:txBody>
           <a:bodyPr/>
+          <a:lstStyle/>
           <a:p>
             <a:fld id="{B6F15528-21DE-4FAA-801E-634DDDAF4B2B}" type="slidenum">
               <a:rPr/>
+              <a:t>14</a:t>
             </a:fld>
             <a:endParaRPr/>
           </a:p>
@@ -4563,7 +4641,9 @@
         <p:txBody>
           <a:bodyPr wrap="square" lIns="0" tIns="0" rIns="0" bIns="0" rtlCol="0"/>
           <a:lstStyle/>
-          <a:p/>
+          <a:p>
+            <a:endParaRPr/>
+          </a:p>
         </p:txBody>
       </p:sp>
       <p:sp>
@@ -4603,7 +4683,9 @@
         <p:txBody>
           <a:bodyPr wrap="square" lIns="0" tIns="0" rIns="0" bIns="0" rtlCol="0"/>
           <a:lstStyle/>
-          <a:p/>
+          <a:p>
+            <a:endParaRPr/>
+          </a:p>
         </p:txBody>
       </p:sp>
       <p:sp>
@@ -4643,7 +4725,9 @@
         <p:txBody>
           <a:bodyPr wrap="square" lIns="0" tIns="0" rIns="0" bIns="0" rtlCol="0"/>
           <a:lstStyle/>
-          <a:p/>
+          <a:p>
+            <a:endParaRPr/>
+          </a:p>
         </p:txBody>
       </p:sp>
       <p:sp>
@@ -4707,7 +4791,6 @@
               <a:rPr spc="-5" dirty="0"/>
               <a:t>Guards</a:t>
             </a:r>
-            <a:endParaRPr spc="-5" dirty="0"/>
           </a:p>
         </p:txBody>
       </p:sp>
@@ -5116,7 +5199,7 @@
           <p:nvPr/>
         </p:nvPicPr>
         <p:blipFill>
-          <a:blip r:embed="rId1" cstate="print"/>
+          <a:blip r:embed="rId2" cstate="print"/>
           <a:stretch>
             <a:fillRect/>
           </a:stretch>
@@ -5138,7 +5221,7 @@
           <p:nvPr/>
         </p:nvPicPr>
         <p:blipFill>
-          <a:blip r:embed="rId2" cstate="print"/>
+          <a:blip r:embed="rId3" cstate="print"/>
           <a:stretch>
             <a:fillRect/>
           </a:stretch>
@@ -5160,7 +5243,7 @@
           <p:nvPr/>
         </p:nvPicPr>
         <p:blipFill>
-          <a:blip r:embed="rId3" cstate="print"/>
+          <a:blip r:embed="rId4" cstate="print"/>
           <a:stretch>
             <a:fillRect/>
           </a:stretch>
@@ -5188,9 +5271,11 @@
         <p:spPr/>
         <p:txBody>
           <a:bodyPr/>
+          <a:lstStyle/>
           <a:p>
             <a:fld id="{B6F15528-21DE-4FAA-801E-634DDDAF4B2B}" type="slidenum">
               <a:rPr/>
+              <a:t>15</a:t>
             </a:fld>
             <a:endParaRPr/>
           </a:p>
@@ -5258,7 +5343,9 @@
         <p:txBody>
           <a:bodyPr wrap="square" lIns="0" tIns="0" rIns="0" bIns="0" rtlCol="0"/>
           <a:lstStyle/>
-          <a:p/>
+          <a:p>
+            <a:endParaRPr/>
+          </a:p>
         </p:txBody>
       </p:sp>
       <p:sp>
@@ -5810,7 +5897,7 @@
           <p:nvPr/>
         </p:nvPicPr>
         <p:blipFill>
-          <a:blip r:embed="rId1" cstate="print"/>
+          <a:blip r:embed="rId2" cstate="print"/>
           <a:stretch>
             <a:fillRect/>
           </a:stretch>
@@ -5886,7 +5973,6 @@
               <a:rPr spc="-5" dirty="0"/>
               <a:t>Guards</a:t>
             </a:r>
-            <a:endParaRPr spc="-5" dirty="0"/>
           </a:p>
         </p:txBody>
       </p:sp>
@@ -5903,9 +5989,11 @@
         <p:spPr/>
         <p:txBody>
           <a:bodyPr/>
+          <a:lstStyle/>
           <a:p>
             <a:fld id="{B6F15528-21DE-4FAA-801E-634DDDAF4B2B}" type="slidenum">
               <a:rPr/>
+              <a:t>16</a:t>
             </a:fld>
             <a:endParaRPr/>
           </a:p>
@@ -5989,7 +6077,6 @@
               <a:rPr spc="45" dirty="0"/>
               <a:t>Guard</a:t>
             </a:r>
-            <a:endParaRPr spc="45" dirty="0"/>
           </a:p>
         </p:txBody>
       </p:sp>
@@ -6054,7 +6141,9 @@
           <p:txBody>
             <a:bodyPr wrap="square" lIns="0" tIns="0" rIns="0" bIns="0" rtlCol="0"/>
             <a:lstStyle/>
-            <a:p/>
+            <a:p>
+              <a:endParaRPr/>
+            </a:p>
           </p:txBody>
         </p:sp>
         <p:sp>
@@ -6102,7 +6191,9 @@
           <p:txBody>
             <a:bodyPr wrap="square" lIns="0" tIns="0" rIns="0" bIns="0" rtlCol="0"/>
             <a:lstStyle/>
-            <a:p/>
+            <a:p>
+              <a:endParaRPr/>
+            </a:p>
           </p:txBody>
         </p:sp>
         <p:sp>
@@ -6152,7 +6243,9 @@
           <p:txBody>
             <a:bodyPr wrap="square" lIns="0" tIns="0" rIns="0" bIns="0" rtlCol="0"/>
             <a:lstStyle/>
-            <a:p/>
+            <a:p>
+              <a:endParaRPr/>
+            </a:p>
           </p:txBody>
         </p:sp>
       </p:grpSp>
@@ -6659,9 +6752,11 @@
         <p:spPr/>
         <p:txBody>
           <a:bodyPr/>
+          <a:lstStyle/>
           <a:p>
             <a:fld id="{B6F15528-21DE-4FAA-801E-634DDDAF4B2B}" type="slidenum">
               <a:rPr/>
+              <a:t>17</a:t>
             </a:fld>
             <a:endParaRPr/>
           </a:p>
@@ -6745,7 +6840,6 @@
               <a:rPr spc="45" dirty="0"/>
               <a:t>Guard</a:t>
             </a:r>
-            <a:endParaRPr spc="45" dirty="0"/>
           </a:p>
         </p:txBody>
       </p:sp>
@@ -6808,7 +6902,9 @@
           <p:txBody>
             <a:bodyPr wrap="square" lIns="0" tIns="0" rIns="0" bIns="0" rtlCol="0"/>
             <a:lstStyle/>
-            <a:p/>
+            <a:p>
+              <a:endParaRPr/>
+            </a:p>
           </p:txBody>
         </p:sp>
         <p:sp>
@@ -6858,7 +6954,9 @@
           <p:txBody>
             <a:bodyPr wrap="square" lIns="0" tIns="0" rIns="0" bIns="0" rtlCol="0"/>
             <a:lstStyle/>
-            <a:p/>
+            <a:p>
+              <a:endParaRPr/>
+            </a:p>
           </p:txBody>
         </p:sp>
         <p:sp>
@@ -6908,7 +7006,9 @@
           <p:txBody>
             <a:bodyPr wrap="square" lIns="0" tIns="0" rIns="0" bIns="0" rtlCol="0"/>
             <a:lstStyle/>
-            <a:p/>
+            <a:p>
+              <a:endParaRPr/>
+            </a:p>
           </p:txBody>
         </p:sp>
       </p:grpSp>
@@ -7502,9 +7602,11 @@
         <p:spPr/>
         <p:txBody>
           <a:bodyPr/>
+          <a:lstStyle/>
           <a:p>
             <a:fld id="{B6F15528-21DE-4FAA-801E-634DDDAF4B2B}" type="slidenum">
               <a:rPr/>
+              <a:t>18</a:t>
             </a:fld>
             <a:endParaRPr/>
           </a:p>
@@ -7700,7 +7802,7 @@
               </a:rPr>
               <a:t>guards</a:t>
             </a:r>
-            <a:endParaRPr sz="3600">
+            <a:endParaRPr sz="3600" dirty="0">
               <a:latin typeface="Arial" panose="020B0604020202020204"/>
               <a:cs typeface="Arial" panose="020B0604020202020204"/>
             </a:endParaRPr>
@@ -7720,9 +7822,11 @@
         <p:spPr/>
         <p:txBody>
           <a:bodyPr/>
+          <a:lstStyle/>
           <a:p>
             <a:fld id="{B6F15528-21DE-4FAA-801E-634DDDAF4B2B}" type="slidenum">
               <a:rPr/>
+              <a:t>19</a:t>
             </a:fld>
             <a:endParaRPr/>
           </a:p>
@@ -7798,7 +7902,9 @@
         <p:txBody>
           <a:bodyPr wrap="square" lIns="0" tIns="0" rIns="0" bIns="0" rtlCol="0"/>
           <a:lstStyle/>
-          <a:p/>
+          <a:p>
+            <a:endParaRPr/>
+          </a:p>
         </p:txBody>
       </p:sp>
       <p:pic>
@@ -7808,7 +7914,7 @@
           <p:nvPr/>
         </p:nvPicPr>
         <p:blipFill>
-          <a:blip r:embed="rId1" cstate="print"/>
+          <a:blip r:embed="rId2" cstate="print"/>
           <a:stretch>
             <a:fillRect/>
           </a:stretch>
@@ -7836,9 +7942,11 @@
         <p:spPr/>
         <p:txBody>
           <a:bodyPr/>
+          <a:lstStyle/>
           <a:p>
             <a:fld id="{B6F15528-21DE-4FAA-801E-634DDDAF4B2B}" type="slidenum">
               <a:rPr/>
+              <a:t>2</a:t>
             </a:fld>
             <a:endParaRPr/>
           </a:p>
@@ -7928,7 +8036,9 @@
           <p:txBody>
             <a:bodyPr wrap="square" lIns="0" tIns="0" rIns="0" bIns="0" rtlCol="0"/>
             <a:lstStyle/>
-            <a:p/>
+            <a:p>
+              <a:endParaRPr/>
+            </a:p>
           </p:txBody>
         </p:sp>
         <p:sp>
@@ -7976,7 +8086,9 @@
           <p:txBody>
             <a:bodyPr wrap="square" lIns="0" tIns="0" rIns="0" bIns="0" rtlCol="0"/>
             <a:lstStyle/>
-            <a:p/>
+            <a:p>
+              <a:endParaRPr/>
+            </a:p>
           </p:txBody>
         </p:sp>
         <p:sp>
@@ -8026,7 +8138,9 @@
           <p:txBody>
             <a:bodyPr wrap="square" lIns="0" tIns="0" rIns="0" bIns="0" rtlCol="0"/>
             <a:lstStyle/>
-            <a:p/>
+            <a:p>
+              <a:endParaRPr/>
+            </a:p>
           </p:txBody>
         </p:sp>
         <p:pic>
@@ -8036,7 +8150,7 @@
             <p:nvPr/>
           </p:nvPicPr>
           <p:blipFill>
-            <a:blip r:embed="rId1" cstate="print"/>
+            <a:blip r:embed="rId2" cstate="print"/>
             <a:stretch>
               <a:fillRect/>
             </a:stretch>
@@ -9038,9 +9152,11 @@
         <p:spPr/>
         <p:txBody>
           <a:bodyPr/>
+          <a:lstStyle/>
           <a:p>
             <a:fld id="{B6F15528-21DE-4FAA-801E-634DDDAF4B2B}" type="slidenum">
               <a:rPr/>
+              <a:t>20</a:t>
             </a:fld>
             <a:endParaRPr/>
           </a:p>
@@ -9130,7 +9246,9 @@
           <p:txBody>
             <a:bodyPr wrap="square" lIns="0" tIns="0" rIns="0" bIns="0" rtlCol="0"/>
             <a:lstStyle/>
-            <a:p/>
+            <a:p>
+              <a:endParaRPr/>
+            </a:p>
           </p:txBody>
         </p:sp>
         <p:sp>
@@ -9178,7 +9296,9 @@
           <p:txBody>
             <a:bodyPr wrap="square" lIns="0" tIns="0" rIns="0" bIns="0" rtlCol="0"/>
             <a:lstStyle/>
-            <a:p/>
+            <a:p>
+              <a:endParaRPr/>
+            </a:p>
           </p:txBody>
         </p:sp>
         <p:sp>
@@ -9228,7 +9348,9 @@
           <p:txBody>
             <a:bodyPr wrap="square" lIns="0" tIns="0" rIns="0" bIns="0" rtlCol="0"/>
             <a:lstStyle/>
-            <a:p/>
+            <a:p>
+              <a:endParaRPr/>
+            </a:p>
           </p:txBody>
         </p:sp>
         <p:pic>
@@ -9238,7 +9360,7 @@
             <p:nvPr/>
           </p:nvPicPr>
           <p:blipFill>
-            <a:blip r:embed="rId1" cstate="print"/>
+            <a:blip r:embed="rId2" cstate="print"/>
             <a:stretch>
               <a:fillRect/>
             </a:stretch>
@@ -9365,17 +9487,7 @@
                 <a:latin typeface="Arial" panose="020B0604020202020204"/>
                 <a:cs typeface="Arial" panose="020B0604020202020204"/>
               </a:rPr>
-              <a:t>a</a:t>
-            </a:r>
-            <a:r>
-              <a:rPr sz="3600" b="1" spc="-35" dirty="0">
-                <a:solidFill>
-                  <a:srgbClr val="FFFFFF"/>
-                </a:solidFill>
-                <a:latin typeface="Arial" panose="020B0604020202020204"/>
-                <a:cs typeface="Arial" panose="020B0604020202020204"/>
-              </a:rPr>
-              <a:t>r</a:t>
+              <a:t>ar</a:t>
             </a:r>
             <a:r>
               <a:rPr sz="3600" b="1" spc="-55" dirty="0">
@@ -9678,7 +9790,9 @@
         <p:txBody>
           <a:bodyPr wrap="square" lIns="0" tIns="0" rIns="0" bIns="0" rtlCol="0"/>
           <a:lstStyle/>
-          <a:p/>
+          <a:p>
+            <a:endParaRPr/>
+          </a:p>
         </p:txBody>
       </p:sp>
       <p:sp>
@@ -9905,7 +10019,9 @@
         <p:txBody>
           <a:bodyPr wrap="square" lIns="0" tIns="0" rIns="0" bIns="0" rtlCol="0"/>
           <a:lstStyle/>
-          <a:p/>
+          <a:p>
+            <a:endParaRPr/>
+          </a:p>
         </p:txBody>
       </p:sp>
       <p:sp>
@@ -10004,7 +10120,9 @@
         <p:txBody>
           <a:bodyPr wrap="square" lIns="0" tIns="0" rIns="0" bIns="0" rtlCol="0"/>
           <a:lstStyle/>
-          <a:p/>
+          <a:p>
+            <a:endParaRPr/>
+          </a:p>
         </p:txBody>
       </p:sp>
       <p:sp>
@@ -10265,9 +10383,11 @@
         <p:spPr/>
         <p:txBody>
           <a:bodyPr/>
+          <a:lstStyle/>
           <a:p>
             <a:fld id="{B6F15528-21DE-4FAA-801E-634DDDAF4B2B}" type="slidenum">
               <a:rPr/>
+              <a:t>21</a:t>
             </a:fld>
             <a:endParaRPr/>
           </a:p>
@@ -10357,7 +10477,9 @@
           <p:txBody>
             <a:bodyPr wrap="square" lIns="0" tIns="0" rIns="0" bIns="0" rtlCol="0"/>
             <a:lstStyle/>
-            <a:p/>
+            <a:p>
+              <a:endParaRPr/>
+            </a:p>
           </p:txBody>
         </p:sp>
         <p:sp>
@@ -10405,7 +10527,9 @@
           <p:txBody>
             <a:bodyPr wrap="square" lIns="0" tIns="0" rIns="0" bIns="0" rtlCol="0"/>
             <a:lstStyle/>
-            <a:p/>
+            <a:p>
+              <a:endParaRPr/>
+            </a:p>
           </p:txBody>
         </p:sp>
         <p:sp>
@@ -10455,7 +10579,9 @@
           <p:txBody>
             <a:bodyPr wrap="square" lIns="0" tIns="0" rIns="0" bIns="0" rtlCol="0"/>
             <a:lstStyle/>
-            <a:p/>
+            <a:p>
+              <a:endParaRPr/>
+            </a:p>
           </p:txBody>
         </p:sp>
         <p:pic>
@@ -10465,7 +10591,7 @@
             <p:nvPr/>
           </p:nvPicPr>
           <p:blipFill>
-            <a:blip r:embed="rId1" cstate="print"/>
+            <a:blip r:embed="rId2" cstate="print"/>
             <a:stretch>
               <a:fillRect/>
             </a:stretch>
@@ -11998,9 +12124,11 @@
         <p:spPr/>
         <p:txBody>
           <a:bodyPr/>
+          <a:lstStyle/>
           <a:p>
             <a:fld id="{B6F15528-21DE-4FAA-801E-634DDDAF4B2B}" type="slidenum">
               <a:rPr/>
+              <a:t>22</a:t>
             </a:fld>
             <a:endParaRPr/>
           </a:p>
@@ -12090,7 +12218,9 @@
           <p:txBody>
             <a:bodyPr wrap="square" lIns="0" tIns="0" rIns="0" bIns="0" rtlCol="0"/>
             <a:lstStyle/>
-            <a:p/>
+            <a:p>
+              <a:endParaRPr/>
+            </a:p>
           </p:txBody>
         </p:sp>
         <p:sp>
@@ -12138,7 +12268,9 @@
           <p:txBody>
             <a:bodyPr wrap="square" lIns="0" tIns="0" rIns="0" bIns="0" rtlCol="0"/>
             <a:lstStyle/>
-            <a:p/>
+            <a:p>
+              <a:endParaRPr/>
+            </a:p>
           </p:txBody>
         </p:sp>
         <p:sp>
@@ -12188,7 +12320,9 @@
           <p:txBody>
             <a:bodyPr wrap="square" lIns="0" tIns="0" rIns="0" bIns="0" rtlCol="0"/>
             <a:lstStyle/>
-            <a:p/>
+            <a:p>
+              <a:endParaRPr/>
+            </a:p>
           </p:txBody>
         </p:sp>
         <p:pic>
@@ -12198,7 +12332,7 @@
             <p:nvPr/>
           </p:nvPicPr>
           <p:blipFill>
-            <a:blip r:embed="rId1" cstate="print"/>
+            <a:blip r:embed="rId2" cstate="print"/>
             <a:stretch>
               <a:fillRect/>
             </a:stretch>
@@ -13204,7 +13338,7 @@
               </a:rPr>
               <a:t>;</a:t>
             </a:r>
-            <a:endParaRPr sz="2800">
+            <a:endParaRPr sz="2800" dirty="0">
               <a:latin typeface="Courier New" panose="02070309020205020404"/>
               <a:cs typeface="Courier New" panose="02070309020205020404"/>
             </a:endParaRPr>
@@ -13273,7 +13407,7 @@
               </a:rPr>
               <a:t>})</a:t>
             </a:r>
-            <a:endParaRPr sz="2800">
+            <a:endParaRPr sz="2800" dirty="0">
               <a:latin typeface="Courier New" panose="02070309020205020404"/>
               <a:cs typeface="Courier New" panose="02070309020205020404"/>
             </a:endParaRPr>
@@ -13381,10 +13515,6 @@
               </a:rPr>
               <a:t>}</a:t>
             </a:r>
-            <a:endParaRPr sz="2800">
-              <a:latin typeface="Courier New" panose="02070309020205020404"/>
-              <a:cs typeface="Courier New" panose="02070309020205020404"/>
-            </a:endParaRPr>
           </a:p>
           <a:p>
             <a:pPr marL="182245">
@@ -13399,10 +13529,6 @@
               </a:rPr>
               <a:t>}</a:t>
             </a:r>
-            <a:endParaRPr sz="2800">
-              <a:latin typeface="Courier New" panose="02070309020205020404"/>
-              <a:cs typeface="Courier New" panose="02070309020205020404"/>
-            </a:endParaRPr>
           </a:p>
         </p:txBody>
       </p:sp>
@@ -13580,9 +13706,11 @@
         <p:spPr/>
         <p:txBody>
           <a:bodyPr/>
+          <a:lstStyle/>
           <a:p>
             <a:fld id="{B6F15528-21DE-4FAA-801E-634DDDAF4B2B}" type="slidenum">
               <a:rPr/>
+              <a:t>23</a:t>
             </a:fld>
             <a:endParaRPr/>
           </a:p>
@@ -13658,7 +13786,6 @@
               <a:rPr spc="110" dirty="0"/>
               <a:t>Architecture</a:t>
             </a:r>
-            <a:endParaRPr spc="110" dirty="0"/>
           </a:p>
         </p:txBody>
       </p:sp>
@@ -14036,7 +14163,9 @@
         <p:txBody>
           <a:bodyPr wrap="square" lIns="0" tIns="0" rIns="0" bIns="0" rtlCol="0"/>
           <a:lstStyle/>
-          <a:p/>
+          <a:p>
+            <a:endParaRPr/>
+          </a:p>
         </p:txBody>
       </p:sp>
       <p:sp>
@@ -14123,7 +14252,9 @@
         <p:txBody>
           <a:bodyPr wrap="square" lIns="0" tIns="0" rIns="0" bIns="0" rtlCol="0"/>
           <a:lstStyle/>
-          <a:p/>
+          <a:p>
+            <a:endParaRPr/>
+          </a:p>
         </p:txBody>
       </p:sp>
       <p:grpSp>
@@ -14245,7 +14376,9 @@
           <p:txBody>
             <a:bodyPr wrap="square" lIns="0" tIns="0" rIns="0" bIns="0" rtlCol="0"/>
             <a:lstStyle/>
-            <a:p/>
+            <a:p>
+              <a:endParaRPr/>
+            </a:p>
           </p:txBody>
         </p:sp>
         <p:sp>
@@ -14353,7 +14486,9 @@
           <p:txBody>
             <a:bodyPr wrap="square" lIns="0" tIns="0" rIns="0" bIns="0" rtlCol="0"/>
             <a:lstStyle/>
-            <a:p/>
+            <a:p>
+              <a:endParaRPr/>
+            </a:p>
           </p:txBody>
         </p:sp>
       </p:grpSp>
@@ -14438,7 +14573,9 @@
         <p:txBody>
           <a:bodyPr wrap="square" lIns="0" tIns="0" rIns="0" bIns="0" rtlCol="0"/>
           <a:lstStyle/>
-          <a:p/>
+          <a:p>
+            <a:endParaRPr/>
+          </a:p>
         </p:txBody>
       </p:sp>
       <p:sp>
@@ -14890,9 +15027,11 @@
         <p:spPr/>
         <p:txBody>
           <a:bodyPr/>
+          <a:lstStyle/>
           <a:p>
             <a:fld id="{B6F15528-21DE-4FAA-801E-634DDDAF4B2B}" type="slidenum">
               <a:rPr/>
+              <a:t>24</a:t>
             </a:fld>
             <a:endParaRPr/>
           </a:p>
@@ -14929,11 +15068,17 @@
           <p:cNvGraphicFramePr>
             <a:graphicFrameLocks noGrp="1"/>
           </p:cNvGraphicFramePr>
-          <p:nvPr/>
+          <p:nvPr>
+            <p:extLst>
+              <p:ext uri="{D42A27DB-BD31-4B8C-83A1-F6EECF244321}">
+                <p14:modId xmlns:p14="http://schemas.microsoft.com/office/powerpoint/2010/main" val="1409416717"/>
+              </p:ext>
+            </p:extLst>
+          </p:nvPr>
         </p:nvGraphicFramePr>
         <p:xfrm>
           <a:off x="5910783" y="4662393"/>
-          <a:ext cx="3154045" cy="4520565"/>
+          <a:ext cx="3134995" cy="4507583"/>
         </p:xfrm>
         <a:graphic>
           <a:graphicData uri="http://schemas.openxmlformats.org/drawingml/2006/table">
@@ -14942,8 +15087,20 @@
                 <a:tableStyleId>{2D5ABB26-0587-4C30-8999-92F81FD0307C}</a:tableStyleId>
               </a:tblPr>
               <a:tblGrid>
-                <a:gridCol w="1572260"/>
-                <a:gridCol w="1562735"/>
+                <a:gridCol w="1572260">
+                  <a:extLst>
+                    <a:ext uri="{9D8B030D-6E8A-4147-A177-3AD203B41FA5}">
+                      <a16:colId xmlns:a16="http://schemas.microsoft.com/office/drawing/2014/main" val="20000"/>
+                    </a:ext>
+                  </a:extLst>
+                </a:gridCol>
+                <a:gridCol w="1562735">
+                  <a:extLst>
+                    <a:ext uri="{9D8B030D-6E8A-4147-A177-3AD203B41FA5}">
+                      <a16:colId xmlns:a16="http://schemas.microsoft.com/office/drawing/2014/main" val="20001"/>
+                    </a:ext>
+                  </a:extLst>
+                </a:gridCol>
               </a:tblGrid>
               <a:tr h="867206">
                 <a:tc gridSpan="2">
@@ -15006,8 +15163,20 @@
                   </a:tcPr>
                 </a:tc>
                 <a:tc hMerge="1">
+                  <a:txBody>
+                    <a:bodyPr/>
+                    <a:lstStyle/>
+                    <a:p>
+                      <a:endParaRPr lang="en-US"/>
+                    </a:p>
+                  </a:txBody>
                   <a:tcPr marL="0" marR="0" marT="0" marB="0"/>
                 </a:tc>
+                <a:extLst>
+                  <a:ext uri="{0D108BD9-81ED-4DB2-BD59-A6C34878D82A}">
+                    <a16:rowId xmlns:a16="http://schemas.microsoft.com/office/drawing/2014/main" val="10000"/>
+                  </a:ext>
+                </a:extLst>
               </a:tr>
               <a:tr h="348318">
                 <a:tc>
@@ -15084,6 +15253,11 @@
                     </a:lnB>
                   </a:tcPr>
                 </a:tc>
+                <a:extLst>
+                  <a:ext uri="{0D108BD9-81ED-4DB2-BD59-A6C34878D82A}">
+                    <a16:rowId xmlns:a16="http://schemas.microsoft.com/office/drawing/2014/main" val="10001"/>
+                  </a:ext>
+                </a:extLst>
               </a:tr>
               <a:tr h="867206">
                 <a:tc>
@@ -15203,7 +15377,7 @@
                         </a:spcBef>
                       </a:pPr>
                       <a:r>
-                        <a:rPr sz="2400" b="1" spc="5" dirty="0">
+                        <a:rPr sz="2400" b="1" spc="5" dirty="0" err="1">
                           <a:solidFill>
                             <a:srgbClr val="FFFFFF"/>
                           </a:solidFill>
@@ -15221,16 +15395,6 @@
                           <a:cs typeface="Arial" panose="020B0604020202020204"/>
                         </a:rPr>
                         <a:t> </a:t>
-                      </a:r>
-                      <a:r>
-                        <a:rPr sz="2400" b="1" spc="225" dirty="0">
-                          <a:solidFill>
-                            <a:srgbClr val="FFFFFF"/>
-                          </a:solidFill>
-                          <a:latin typeface="Arial" panose="020B0604020202020204"/>
-                          <a:cs typeface="Arial" panose="020B0604020202020204"/>
-                        </a:rPr>
-                        <a:t>- </a:t>
                       </a:r>
                       <a:r>
                         <a:rPr sz="2400" b="1" spc="-655" dirty="0">
@@ -15252,7 +15416,7 @@
                         </a:rPr>
                         <a:t>onent</a:t>
                       </a:r>
-                      <a:endParaRPr sz="2400">
+                      <a:endParaRPr sz="2400" dirty="0">
                         <a:latin typeface="Arial" panose="020B0604020202020204"/>
                         <a:cs typeface="Arial" panose="020B0604020202020204"/>
                       </a:endParaRPr>
@@ -15282,6 +15446,11 @@
                     </a:solidFill>
                   </a:tcPr>
                 </a:tc>
+                <a:extLst>
+                  <a:ext uri="{0D108BD9-81ED-4DB2-BD59-A6C34878D82A}">
+                    <a16:rowId xmlns:a16="http://schemas.microsoft.com/office/drawing/2014/main" val="10002"/>
+                  </a:ext>
+                </a:extLst>
               </a:tr>
               <a:tr h="348318">
                 <a:tc>
@@ -15358,6 +15527,11 @@
                     </a:lnB>
                   </a:tcPr>
                 </a:tc>
+                <a:extLst>
+                  <a:ext uri="{0D108BD9-81ED-4DB2-BD59-A6C34878D82A}">
+                    <a16:rowId xmlns:a16="http://schemas.microsoft.com/office/drawing/2014/main" val="10003"/>
+                  </a:ext>
+                </a:extLst>
               </a:tr>
               <a:tr h="864108">
                 <a:tc>
@@ -15451,27 +15625,17 @@
                         </a:spcBef>
                       </a:pPr>
                       <a:r>
-                        <a:rPr sz="2400" b="1" spc="-5" dirty="0">
+                        <a:rPr sz="2400" b="1" spc="-5" dirty="0" err="1">
                           <a:solidFill>
                             <a:srgbClr val="FFFFFF"/>
                           </a:solidFill>
                           <a:latin typeface="Arial" panose="020B0604020202020204"/>
                           <a:cs typeface="Arial" panose="020B0604020202020204"/>
                         </a:rPr>
-                        <a:t>o</a:t>
+                        <a:t>oS</a:t>
                       </a:r>
                       <a:r>
-                        <a:rPr sz="2400" b="1" spc="-5" dirty="0">
-                          <a:solidFill>
-                            <a:srgbClr val="FFFFFF"/>
-                          </a:solidFill>
-                          <a:latin typeface="Arial" panose="020B0604020202020204"/>
-                          <a:cs typeface="Arial" panose="020B0604020202020204"/>
-                        </a:rPr>
-                        <a:t>S</a:t>
-                      </a:r>
-                      <a:r>
-                        <a:rPr sz="2400" b="1" dirty="0">
+                        <a:rPr sz="2400" b="1" dirty="0" err="1">
                           <a:solidFill>
                             <a:srgbClr val="FFFFFF"/>
                           </a:solidFill>
@@ -15481,7 +15645,7 @@
                         <a:t>p</a:t>
                       </a:r>
                       <a:r>
-                        <a:rPr sz="2400" b="1" spc="-5" dirty="0">
+                        <a:rPr sz="2400" b="1" spc="-5" dirty="0" err="1">
                           <a:solidFill>
                             <a:srgbClr val="FFFFFF"/>
                           </a:solidFill>
@@ -15491,7 +15655,7 @@
                         <a:t>a</a:t>
                       </a:r>
                       <a:r>
-                        <a:rPr sz="2400" b="1" dirty="0">
+                        <a:rPr sz="2400" b="1" dirty="0" err="1">
                           <a:solidFill>
                             <a:srgbClr val="FFFFFF"/>
                           </a:solidFill>
@@ -15501,7 +15665,7 @@
                         <a:t>c</a:t>
                       </a:r>
                       <a:r>
-                        <a:rPr sz="2400" b="1" spc="-5" dirty="0">
+                        <a:rPr sz="2400" b="1" spc="-5" dirty="0" err="1">
                           <a:solidFill>
                             <a:srgbClr val="FFFFFF"/>
                           </a:solidFill>
@@ -15511,7 +15675,7 @@
                         <a:t>e</a:t>
                       </a:r>
                       <a:r>
-                        <a:rPr sz="2400" b="1" dirty="0">
+                        <a:rPr sz="2400" b="1" dirty="0" err="1">
                           <a:solidFill>
                             <a:srgbClr val="FFFFFF"/>
                           </a:solidFill>
@@ -15538,7 +15702,7 @@
                           <a:latin typeface="Arial" panose="020B0604020202020204"/>
                           <a:cs typeface="Arial" panose="020B0604020202020204"/>
                         </a:rPr>
-                        <a:t>-  </a:t>
+                        <a:t> </a:t>
                       </a:r>
                       <a:r>
                         <a:rPr sz="2400" b="1" spc="50" dirty="0">
@@ -15550,7 +15714,7 @@
                         </a:rPr>
                         <a:t>pe</a:t>
                       </a:r>
-                      <a:endParaRPr sz="2400">
+                      <a:endParaRPr sz="2400" dirty="0">
                         <a:latin typeface="Arial" panose="020B0604020202020204"/>
                         <a:cs typeface="Arial" panose="020B0604020202020204"/>
                       </a:endParaRPr>
@@ -15580,6 +15744,11 @@
                     </a:solidFill>
                   </a:tcPr>
                 </a:tc>
+                <a:extLst>
+                  <a:ext uri="{0D108BD9-81ED-4DB2-BD59-A6C34878D82A}">
+                    <a16:rowId xmlns:a16="http://schemas.microsoft.com/office/drawing/2014/main" val="10004"/>
+                  </a:ext>
+                </a:extLst>
               </a:tr>
               <a:tr h="348319">
                 <a:tc>
@@ -15656,6 +15825,11 @@
                     </a:lnB>
                   </a:tcPr>
                 </a:tc>
+                <a:extLst>
+                  <a:ext uri="{0D108BD9-81ED-4DB2-BD59-A6C34878D82A}">
+                    <a16:rowId xmlns:a16="http://schemas.microsoft.com/office/drawing/2014/main" val="10005"/>
+                  </a:ext>
+                </a:extLst>
               </a:tr>
               <a:tr h="864108">
                 <a:tc gridSpan="2">
@@ -15681,7 +15855,7 @@
                         </a:rPr>
                         <a:t>StarComponent</a:t>
                       </a:r>
-                      <a:endParaRPr sz="2400">
+                      <a:endParaRPr sz="2400" dirty="0">
                         <a:latin typeface="Arial" panose="020B0604020202020204"/>
                         <a:cs typeface="Arial" panose="020B0604020202020204"/>
                       </a:endParaRPr>
@@ -15718,8 +15892,20 @@
                   </a:tcPr>
                 </a:tc>
                 <a:tc hMerge="1">
+                  <a:txBody>
+                    <a:bodyPr/>
+                    <a:lstStyle/>
+                    <a:p>
+                      <a:endParaRPr lang="en-US"/>
+                    </a:p>
+                  </a:txBody>
                   <a:tcPr marL="0" marR="0" marT="0" marB="0"/>
                 </a:tc>
+                <a:extLst>
+                  <a:ext uri="{0D108BD9-81ED-4DB2-BD59-A6C34878D82A}">
+                    <a16:rowId xmlns:a16="http://schemas.microsoft.com/office/drawing/2014/main" val="10006"/>
+                  </a:ext>
+                </a:extLst>
               </a:tr>
             </a:tbl>
           </a:graphicData>
@@ -17003,7 +17189,9 @@
         <p:txBody>
           <a:bodyPr wrap="square" lIns="0" tIns="0" rIns="0" bIns="0" rtlCol="0"/>
           <a:lstStyle/>
-          <a:p/>
+          <a:p>
+            <a:endParaRPr/>
+          </a:p>
         </p:txBody>
       </p:sp>
       <p:sp>
@@ -17588,7 +17776,9 @@
         <p:txBody>
           <a:bodyPr wrap="square" lIns="0" tIns="0" rIns="0" bIns="0" rtlCol="0"/>
           <a:lstStyle/>
-          <a:p/>
+          <a:p>
+            <a:endParaRPr/>
+          </a:p>
         </p:txBody>
       </p:sp>
       <p:sp>
@@ -18839,7 +19029,9 @@
         <p:txBody>
           <a:bodyPr wrap="square" lIns="0" tIns="0" rIns="0" bIns="0" rtlCol="0"/>
           <a:lstStyle/>
-          <a:p/>
+          <a:p>
+            <a:endParaRPr/>
+          </a:p>
         </p:txBody>
       </p:sp>
       <p:sp>
@@ -18910,7 +19102,7 @@
         </p:nvGraphicFramePr>
         <p:xfrm>
           <a:off x="1112007" y="335347"/>
-          <a:ext cx="13289280" cy="876935"/>
+          <a:ext cx="13270230" cy="864108"/>
         </p:xfrm>
         <a:graphic>
           <a:graphicData uri="http://schemas.openxmlformats.org/drawingml/2006/table">
@@ -18919,13 +19111,55 @@
                 <a:tableStyleId>{2D5ABB26-0587-4C30-8999-92F81FD0307C}</a:tableStyleId>
               </a:tblPr>
               <a:tblGrid>
-                <a:gridCol w="2743200"/>
-                <a:gridCol w="765810"/>
-                <a:gridCol w="2743200"/>
-                <a:gridCol w="765810"/>
-                <a:gridCol w="3065145"/>
-                <a:gridCol w="443865"/>
-                <a:gridCol w="2743200"/>
+                <a:gridCol w="2743200">
+                  <a:extLst>
+                    <a:ext uri="{9D8B030D-6E8A-4147-A177-3AD203B41FA5}">
+                      <a16:colId xmlns:a16="http://schemas.microsoft.com/office/drawing/2014/main" val="20000"/>
+                    </a:ext>
+                  </a:extLst>
+                </a:gridCol>
+                <a:gridCol w="765810">
+                  <a:extLst>
+                    <a:ext uri="{9D8B030D-6E8A-4147-A177-3AD203B41FA5}">
+                      <a16:colId xmlns:a16="http://schemas.microsoft.com/office/drawing/2014/main" val="20001"/>
+                    </a:ext>
+                  </a:extLst>
+                </a:gridCol>
+                <a:gridCol w="2743200">
+                  <a:extLst>
+                    <a:ext uri="{9D8B030D-6E8A-4147-A177-3AD203B41FA5}">
+                      <a16:colId xmlns:a16="http://schemas.microsoft.com/office/drawing/2014/main" val="20002"/>
+                    </a:ext>
+                  </a:extLst>
+                </a:gridCol>
+                <a:gridCol w="765810">
+                  <a:extLst>
+                    <a:ext uri="{9D8B030D-6E8A-4147-A177-3AD203B41FA5}">
+                      <a16:colId xmlns:a16="http://schemas.microsoft.com/office/drawing/2014/main" val="20003"/>
+                    </a:ext>
+                  </a:extLst>
+                </a:gridCol>
+                <a:gridCol w="3065145">
+                  <a:extLst>
+                    <a:ext uri="{9D8B030D-6E8A-4147-A177-3AD203B41FA5}">
+                      <a16:colId xmlns:a16="http://schemas.microsoft.com/office/drawing/2014/main" val="20004"/>
+                    </a:ext>
+                  </a:extLst>
+                </a:gridCol>
+                <a:gridCol w="443865">
+                  <a:extLst>
+                    <a:ext uri="{9D8B030D-6E8A-4147-A177-3AD203B41FA5}">
+                      <a16:colId xmlns:a16="http://schemas.microsoft.com/office/drawing/2014/main" val="20005"/>
+                    </a:ext>
+                  </a:extLst>
+                </a:gridCol>
+                <a:gridCol w="2743200">
+                  <a:extLst>
+                    <a:ext uri="{9D8B030D-6E8A-4147-A177-3AD203B41FA5}">
+                      <a16:colId xmlns:a16="http://schemas.microsoft.com/office/drawing/2014/main" val="20006"/>
+                    </a:ext>
+                  </a:extLst>
+                </a:gridCol>
               </a:tblGrid>
               <a:tr h="864108">
                 <a:tc>
@@ -19266,6 +19500,11 @@
                     </a:solidFill>
                   </a:tcPr>
                 </a:tc>
+                <a:extLst>
+                  <a:ext uri="{0D108BD9-81ED-4DB2-BD59-A6C34878D82A}">
+                    <a16:rowId xmlns:a16="http://schemas.microsoft.com/office/drawing/2014/main" val="10000"/>
+                  </a:ext>
+                </a:extLst>
               </a:tr>
             </a:tbl>
           </a:graphicData>
@@ -19277,11 +19516,17 @@
           <p:cNvGraphicFramePr>
             <a:graphicFrameLocks noGrp="1"/>
           </p:cNvGraphicFramePr>
-          <p:nvPr/>
+          <p:nvPr>
+            <p:extLst>
+              <p:ext uri="{D42A27DB-BD31-4B8C-83A1-F6EECF244321}">
+                <p14:modId xmlns:p14="http://schemas.microsoft.com/office/powerpoint/2010/main" val="1663564826"/>
+              </p:ext>
+            </p:extLst>
+          </p:nvPr>
         </p:nvGraphicFramePr>
         <p:xfrm>
           <a:off x="9581438" y="4662392"/>
-          <a:ext cx="3549650" cy="2095500"/>
+          <a:ext cx="3530600" cy="2082731"/>
         </p:xfrm>
         <a:graphic>
           <a:graphicData uri="http://schemas.openxmlformats.org/drawingml/2006/table">
@@ -19290,8 +19535,20 @@
                 <a:tableStyleId>{2D5ABB26-0587-4C30-8999-92F81FD0307C}</a:tableStyleId>
               </a:tblPr>
               <a:tblGrid>
-                <a:gridCol w="1765300"/>
-                <a:gridCol w="1765300"/>
+                <a:gridCol w="1765300">
+                  <a:extLst>
+                    <a:ext uri="{9D8B030D-6E8A-4147-A177-3AD203B41FA5}">
+                      <a16:colId xmlns:a16="http://schemas.microsoft.com/office/drawing/2014/main" val="20000"/>
+                    </a:ext>
+                  </a:extLst>
+                </a:gridCol>
+                <a:gridCol w="1765300">
+                  <a:extLst>
+                    <a:ext uri="{9D8B030D-6E8A-4147-A177-3AD203B41FA5}">
+                      <a16:colId xmlns:a16="http://schemas.microsoft.com/office/drawing/2014/main" val="20001"/>
+                    </a:ext>
+                  </a:extLst>
+                </a:gridCol>
               </a:tblGrid>
               <a:tr h="867206">
                 <a:tc gridSpan="2">
@@ -19308,7 +19565,7 @@
                         </a:spcBef>
                       </a:pPr>
                       <a:r>
-                        <a:rPr sz="2400" b="1" spc="5" dirty="0">
+                        <a:rPr sz="2400" b="1" spc="5" dirty="0" err="1">
                           <a:solidFill>
                             <a:srgbClr val="FFFFFF"/>
                           </a:solidFill>
@@ -19326,16 +19583,6 @@
                           <a:cs typeface="Arial" panose="020B0604020202020204"/>
                         </a:rPr>
                         <a:t> </a:t>
-                      </a:r>
-                      <a:r>
-                        <a:rPr sz="2400" b="1" spc="225" dirty="0">
-                          <a:solidFill>
-                            <a:srgbClr val="FFFFFF"/>
-                          </a:solidFill>
-                          <a:latin typeface="Arial" panose="020B0604020202020204"/>
-                          <a:cs typeface="Arial" panose="020B0604020202020204"/>
-                        </a:rPr>
-                        <a:t>- </a:t>
                       </a:r>
                       <a:r>
                         <a:rPr sz="2400" b="1" spc="-650" dirty="0">
@@ -19357,7 +19604,7 @@
                         </a:rPr>
                         <a:t>Component</a:t>
                       </a:r>
-                      <a:endParaRPr sz="2400">
+                      <a:endParaRPr sz="2400" dirty="0">
                         <a:latin typeface="Arial" panose="020B0604020202020204"/>
                         <a:cs typeface="Arial" panose="020B0604020202020204"/>
                       </a:endParaRPr>
@@ -19394,8 +19641,20 @@
                   </a:tcPr>
                 </a:tc>
                 <a:tc hMerge="1">
+                  <a:txBody>
+                    <a:bodyPr/>
+                    <a:lstStyle/>
+                    <a:p>
+                      <a:endParaRPr lang="en-US"/>
+                    </a:p>
+                  </a:txBody>
                   <a:tcPr marL="0" marR="0" marT="0" marB="0"/>
                 </a:tc>
+                <a:extLst>
+                  <a:ext uri="{0D108BD9-81ED-4DB2-BD59-A6C34878D82A}">
+                    <a16:rowId xmlns:a16="http://schemas.microsoft.com/office/drawing/2014/main" val="10000"/>
+                  </a:ext>
+                </a:extLst>
               </a:tr>
               <a:tr h="348319">
                 <a:tc>
@@ -19472,6 +19731,11 @@
                     </a:lnB>
                   </a:tcPr>
                 </a:tc>
+                <a:extLst>
+                  <a:ext uri="{0D108BD9-81ED-4DB2-BD59-A6C34878D82A}">
+                    <a16:rowId xmlns:a16="http://schemas.microsoft.com/office/drawing/2014/main" val="10001"/>
+                  </a:ext>
+                </a:extLst>
               </a:tr>
               <a:tr h="867206">
                 <a:tc gridSpan="2">
@@ -19497,7 +19761,7 @@
                         </a:rPr>
                         <a:t>WelcomeComponent</a:t>
                       </a:r>
-                      <a:endParaRPr sz="2400">
+                      <a:endParaRPr sz="2400" dirty="0">
                         <a:latin typeface="Arial" panose="020B0604020202020204"/>
                         <a:cs typeface="Arial" panose="020B0604020202020204"/>
                       </a:endParaRPr>
@@ -19534,8 +19798,20 @@
                   </a:tcPr>
                 </a:tc>
                 <a:tc hMerge="1">
+                  <a:txBody>
+                    <a:bodyPr/>
+                    <a:lstStyle/>
+                    <a:p>
+                      <a:endParaRPr lang="en-US"/>
+                    </a:p>
+                  </a:txBody>
                   <a:tcPr marL="0" marR="0" marT="0" marB="0"/>
                 </a:tc>
+                <a:extLst>
+                  <a:ext uri="{0D108BD9-81ED-4DB2-BD59-A6C34878D82A}">
+                    <a16:rowId xmlns:a16="http://schemas.microsoft.com/office/drawing/2014/main" val="10002"/>
+                  </a:ext>
+                </a:extLst>
               </a:tr>
             </a:tbl>
           </a:graphicData>
@@ -19658,17 +19934,7 @@
                 <a:latin typeface="Arial" panose="020B0604020202020204"/>
                 <a:cs typeface="Arial" panose="020B0604020202020204"/>
               </a:rPr>
-              <a:t>a</a:t>
-            </a:r>
-            <a:r>
-              <a:rPr sz="2400" b="1" spc="-25" dirty="0">
-                <a:solidFill>
-                  <a:srgbClr val="2A9FBC"/>
-                </a:solidFill>
-                <a:latin typeface="Arial" panose="020B0604020202020204"/>
-                <a:cs typeface="Arial" panose="020B0604020202020204"/>
-              </a:rPr>
-              <a:t>r</a:t>
+              <a:t>ar</a:t>
             </a:r>
             <a:r>
               <a:rPr sz="2400" b="1" spc="-70" dirty="0">
@@ -19784,7 +20050,9 @@
         <p:txBody>
           <a:bodyPr wrap="square" lIns="0" tIns="0" rIns="0" bIns="0" rtlCol="0"/>
           <a:lstStyle/>
-          <a:p/>
+          <a:p>
+            <a:endParaRPr/>
+          </a:p>
         </p:txBody>
       </p:sp>
       <p:sp>
@@ -19824,7 +20092,9 @@
         <p:txBody>
           <a:bodyPr wrap="square" lIns="0" tIns="0" rIns="0" bIns="0" rtlCol="0"/>
           <a:lstStyle/>
-          <a:p/>
+          <a:p>
+            <a:endParaRPr/>
+          </a:p>
         </p:txBody>
       </p:sp>
       <p:sp>
@@ -19864,7 +20134,9 @@
         <p:txBody>
           <a:bodyPr wrap="square" lIns="0" tIns="0" rIns="0" bIns="0" rtlCol="0"/>
           <a:lstStyle/>
-          <a:p/>
+          <a:p>
+            <a:endParaRPr/>
+          </a:p>
         </p:txBody>
       </p:sp>
       <p:sp>
@@ -19904,7 +20176,9 @@
         <p:txBody>
           <a:bodyPr wrap="square" lIns="0" tIns="0" rIns="0" bIns="0" rtlCol="0"/>
           <a:lstStyle/>
-          <a:p/>
+          <a:p>
+            <a:endParaRPr/>
+          </a:p>
         </p:txBody>
       </p:sp>
       <p:sp>
@@ -19920,9 +20194,11 @@
         <p:spPr/>
         <p:txBody>
           <a:bodyPr/>
+          <a:lstStyle/>
           <a:p>
             <a:fld id="{B6F15528-21DE-4FAA-801E-634DDDAF4B2B}" type="slidenum">
               <a:rPr/>
+              <a:t>25</a:t>
             </a:fld>
             <a:endParaRPr/>
           </a:p>
@@ -20093,7 +20369,7 @@
           <p:nvPr/>
         </p:nvPicPr>
         <p:blipFill>
-          <a:blip r:embed="rId1" cstate="print"/>
+          <a:blip r:embed="rId2" cstate="print"/>
           <a:stretch>
             <a:fillRect/>
           </a:stretch>
@@ -20121,9 +20397,11 @@
         <p:spPr/>
         <p:txBody>
           <a:bodyPr/>
+          <a:lstStyle/>
           <a:p>
             <a:fld id="{B6F15528-21DE-4FAA-801E-634DDDAF4B2B}" type="slidenum">
               <a:rPr/>
+              <a:t>26</a:t>
             </a:fld>
             <a:endParaRPr/>
           </a:p>
@@ -20161,7 +20439,7 @@
           <p:nvPr/>
         </p:nvPicPr>
         <p:blipFill>
-          <a:blip r:embed="rId1" cstate="print"/>
+          <a:blip r:embed="rId2" cstate="print"/>
           <a:stretch>
             <a:fillRect/>
           </a:stretch>
@@ -20500,9 +20778,11 @@
         <p:spPr/>
         <p:txBody>
           <a:bodyPr/>
+          <a:lstStyle/>
           <a:p>
             <a:fld id="{B6F15528-21DE-4FAA-801E-634DDDAF4B2B}" type="slidenum">
               <a:rPr/>
+              <a:t>3</a:t>
             </a:fld>
             <a:endParaRPr/>
           </a:p>
@@ -20578,7 +20858,6 @@
               <a:rPr spc="110" dirty="0"/>
               <a:t>Architecture</a:t>
             </a:r>
-            <a:endParaRPr spc="110" dirty="0"/>
           </a:p>
         </p:txBody>
       </p:sp>
@@ -20956,7 +21235,9 @@
         <p:txBody>
           <a:bodyPr wrap="square" lIns="0" tIns="0" rIns="0" bIns="0" rtlCol="0"/>
           <a:lstStyle/>
-          <a:p/>
+          <a:p>
+            <a:endParaRPr/>
+          </a:p>
         </p:txBody>
       </p:sp>
       <p:sp>
@@ -21043,7 +21324,9 @@
         <p:txBody>
           <a:bodyPr wrap="square" lIns="0" tIns="0" rIns="0" bIns="0" rtlCol="0"/>
           <a:lstStyle/>
-          <a:p/>
+          <a:p>
+            <a:endParaRPr/>
+          </a:p>
         </p:txBody>
       </p:sp>
       <p:grpSp>
@@ -21165,7 +21448,9 @@
           <p:txBody>
             <a:bodyPr wrap="square" lIns="0" tIns="0" rIns="0" bIns="0" rtlCol="0"/>
             <a:lstStyle/>
-            <a:p/>
+            <a:p>
+              <a:endParaRPr/>
+            </a:p>
           </p:txBody>
         </p:sp>
         <p:sp>
@@ -21273,7 +21558,9 @@
           <p:txBody>
             <a:bodyPr wrap="square" lIns="0" tIns="0" rIns="0" bIns="0" rtlCol="0"/>
             <a:lstStyle/>
-            <a:p/>
+            <a:p>
+              <a:endParaRPr/>
+            </a:p>
           </p:txBody>
         </p:sp>
       </p:grpSp>
@@ -21358,7 +21645,9 @@
         <p:txBody>
           <a:bodyPr wrap="square" lIns="0" tIns="0" rIns="0" bIns="0" rtlCol="0"/>
           <a:lstStyle/>
-          <a:p/>
+          <a:p>
+            <a:endParaRPr/>
+          </a:p>
         </p:txBody>
       </p:sp>
       <p:sp>
@@ -21810,9 +22099,11 @@
         <p:spPr/>
         <p:txBody>
           <a:bodyPr/>
+          <a:lstStyle/>
           <a:p>
             <a:fld id="{B6F15528-21DE-4FAA-801E-634DDDAF4B2B}" type="slidenum">
               <a:rPr/>
+              <a:t>4</a:t>
             </a:fld>
             <a:endParaRPr/>
           </a:p>
@@ -21912,7 +22203,6 @@
               <a:rPr spc="15" dirty="0"/>
               <a:t>Route</a:t>
             </a:r>
-            <a:endParaRPr spc="15" dirty="0"/>
           </a:p>
         </p:txBody>
       </p:sp>
@@ -21937,7 +22227,7 @@
             <p:nvPr/>
           </p:nvPicPr>
           <p:blipFill>
-            <a:blip r:embed="rId1" cstate="print"/>
+            <a:blip r:embed="rId2" cstate="print"/>
             <a:stretch>
               <a:fillRect/>
             </a:stretch>
@@ -21999,7 +22289,9 @@
           <p:txBody>
             <a:bodyPr wrap="square" lIns="0" tIns="0" rIns="0" bIns="0" rtlCol="0"/>
             <a:lstStyle/>
-            <a:p/>
+            <a:p>
+              <a:endParaRPr/>
+            </a:p>
           </p:txBody>
         </p:sp>
       </p:grpSp>
@@ -22016,9 +22308,11 @@
         <p:spPr/>
         <p:txBody>
           <a:bodyPr/>
+          <a:lstStyle/>
           <a:p>
             <a:fld id="{B6F15528-21DE-4FAA-801E-634DDDAF4B2B}" type="slidenum">
               <a:rPr/>
+              <a:t>5</a:t>
             </a:fld>
             <a:endParaRPr/>
           </a:p>
@@ -22118,7 +22412,6 @@
               <a:rPr spc="15" dirty="0"/>
               <a:t>Route</a:t>
             </a:r>
-            <a:endParaRPr spc="15" dirty="0"/>
           </a:p>
         </p:txBody>
       </p:sp>
@@ -22181,7 +22474,9 @@
           <p:txBody>
             <a:bodyPr wrap="square" lIns="0" tIns="0" rIns="0" bIns="0" rtlCol="0"/>
             <a:lstStyle/>
-            <a:p/>
+            <a:p>
+              <a:endParaRPr/>
+            </a:p>
           </p:txBody>
         </p:sp>
         <p:sp>
@@ -22231,7 +22526,9 @@
           <p:txBody>
             <a:bodyPr wrap="square" lIns="0" tIns="0" rIns="0" bIns="0" rtlCol="0"/>
             <a:lstStyle/>
-            <a:p/>
+            <a:p>
+              <a:endParaRPr/>
+            </a:p>
           </p:txBody>
         </p:sp>
         <p:sp>
@@ -22279,7 +22576,9 @@
           <p:txBody>
             <a:bodyPr wrap="square" lIns="0" tIns="0" rIns="0" bIns="0" rtlCol="0"/>
             <a:lstStyle/>
-            <a:p/>
+            <a:p>
+              <a:endParaRPr/>
+            </a:p>
           </p:txBody>
         </p:sp>
         <p:sp>
@@ -22329,7 +22628,9 @@
           <p:txBody>
             <a:bodyPr wrap="square" lIns="0" tIns="0" rIns="0" bIns="0" rtlCol="0"/>
             <a:lstStyle/>
-            <a:p/>
+            <a:p>
+              <a:endParaRPr/>
+            </a:p>
           </p:txBody>
         </p:sp>
       </p:grpSp>
@@ -23225,9 +23526,11 @@
         <p:spPr/>
         <p:txBody>
           <a:bodyPr/>
+          <a:lstStyle/>
           <a:p>
             <a:fld id="{B6F15528-21DE-4FAA-801E-634DDDAF4B2B}" type="slidenum">
               <a:rPr/>
+              <a:t>6</a:t>
             </a:fld>
             <a:endParaRPr/>
           </a:p>
@@ -23327,7 +23630,6 @@
               <a:rPr spc="15" dirty="0"/>
               <a:t>Route</a:t>
             </a:r>
-            <a:endParaRPr spc="15" dirty="0"/>
           </a:p>
         </p:txBody>
       </p:sp>
@@ -23427,7 +23729,9 @@
         <p:txBody>
           <a:bodyPr wrap="square" lIns="0" tIns="0" rIns="0" bIns="0" rtlCol="0"/>
           <a:lstStyle/>
-          <a:p/>
+          <a:p>
+            <a:endParaRPr/>
+          </a:p>
         </p:txBody>
       </p:sp>
       <p:sp>
@@ -23645,7 +23949,9 @@
         <p:txBody>
           <a:bodyPr wrap="square" lIns="0" tIns="0" rIns="0" bIns="0" rtlCol="0"/>
           <a:lstStyle/>
-          <a:p/>
+          <a:p>
+            <a:endParaRPr/>
+          </a:p>
         </p:txBody>
       </p:sp>
       <p:sp>
@@ -23838,9 +24144,11 @@
         <p:spPr/>
         <p:txBody>
           <a:bodyPr/>
+          <a:lstStyle/>
           <a:p>
             <a:fld id="{B6F15528-21DE-4FAA-801E-634DDDAF4B2B}" type="slidenum">
               <a:rPr/>
+              <a:t>7</a:t>
             </a:fld>
             <a:endParaRPr/>
           </a:p>
@@ -23936,7 +24244,6 @@
               <a:rPr spc="15" dirty="0"/>
               <a:t>Route</a:t>
             </a:r>
-            <a:endParaRPr spc="15" dirty="0"/>
           </a:p>
         </p:txBody>
       </p:sp>
@@ -23961,7 +24268,7 @@
             <p:nvPr/>
           </p:nvPicPr>
           <p:blipFill>
-            <a:blip r:embed="rId1" cstate="print"/>
+            <a:blip r:embed="rId2" cstate="print"/>
             <a:stretch>
               <a:fillRect/>
             </a:stretch>
@@ -24023,7 +24330,9 @@
           <p:txBody>
             <a:bodyPr wrap="square" lIns="0" tIns="0" rIns="0" bIns="0" rtlCol="0"/>
             <a:lstStyle/>
-            <a:p/>
+            <a:p>
+              <a:endParaRPr/>
+            </a:p>
           </p:txBody>
         </p:sp>
       </p:grpSp>
@@ -24040,9 +24349,11 @@
         <p:spPr/>
         <p:txBody>
           <a:bodyPr/>
+          <a:lstStyle/>
           <a:p>
             <a:fld id="{B6F15528-21DE-4FAA-801E-634DDDAF4B2B}" type="slidenum">
               <a:rPr/>
+              <a:t>8</a:t>
             </a:fld>
             <a:endParaRPr/>
           </a:p>
@@ -24138,7 +24449,6 @@
               <a:rPr spc="15" dirty="0"/>
               <a:t>Route</a:t>
             </a:r>
-            <a:endParaRPr spc="15" dirty="0"/>
           </a:p>
         </p:txBody>
       </p:sp>
@@ -24189,7 +24499,9 @@
         <p:txBody>
           <a:bodyPr wrap="square" lIns="0" tIns="0" rIns="0" bIns="0" rtlCol="0"/>
           <a:lstStyle/>
-          <a:p/>
+          <a:p>
+            <a:endParaRPr/>
+          </a:p>
         </p:txBody>
       </p:sp>
       <p:sp>
@@ -24362,7 +24674,7 @@
               </a:rPr>
               <a:t>;</a:t>
             </a:r>
-            <a:endParaRPr sz="3000">
+            <a:endParaRPr sz="3000" dirty="0">
               <a:latin typeface="Courier New" panose="02070309020205020404"/>
               <a:cs typeface="Courier New" panose="02070309020205020404"/>
             </a:endParaRPr>
@@ -24376,7 +24688,7 @@
                 <a:spcPts val="30"/>
               </a:spcBef>
             </a:pPr>
-            <a:endParaRPr sz="3150">
+            <a:endParaRPr sz="3150" dirty="0">
               <a:latin typeface="Courier New" panose="02070309020205020404"/>
               <a:cs typeface="Courier New" panose="02070309020205020404"/>
             </a:endParaRPr>
@@ -24466,10 +24778,6 @@
               </a:rPr>
               <a:t>}</a:t>
             </a:r>
-            <a:endParaRPr sz="3000">
-              <a:latin typeface="Courier New" panose="02070309020205020404"/>
-              <a:cs typeface="Courier New" panose="02070309020205020404"/>
-            </a:endParaRPr>
           </a:p>
         </p:txBody>
       </p:sp>
@@ -24520,7 +24828,9 @@
         <p:txBody>
           <a:bodyPr wrap="square" lIns="0" tIns="0" rIns="0" bIns="0" rtlCol="0"/>
           <a:lstStyle/>
-          <a:p/>
+          <a:p>
+            <a:endParaRPr/>
+          </a:p>
         </p:txBody>
       </p:sp>
       <p:sp>
@@ -24693,10 +25003,6 @@
               </a:rPr>
               <a:t>}</a:t>
             </a:r>
-            <a:endParaRPr sz="3000">
-              <a:latin typeface="Courier New" panose="02070309020205020404"/>
-              <a:cs typeface="Courier New" panose="02070309020205020404"/>
-            </a:endParaRPr>
           </a:p>
         </p:txBody>
       </p:sp>
@@ -24713,9 +25019,11 @@
         <p:spPr/>
         <p:txBody>
           <a:bodyPr/>
+          <a:lstStyle/>
           <a:p>
             <a:fld id="{B6F15528-21DE-4FAA-801E-634DDDAF4B2B}" type="slidenum">
               <a:rPr/>
+              <a:t>9</a:t>
             </a:fld>
             <a:endParaRPr/>
           </a:p>
@@ -25007,6 +25315,8 @@
       </a:bgFillStyleLst>
     </a:fmtScheme>
   </a:themeElements>
+  <a:objectDefaults/>
+  <a:extraClrSchemeLst/>
   <a:extLst>
     <a:ext uri="{05A4C25C-085E-4340-85A3-A5531E510DB2}">
       <thm15:themeFamily xmlns:thm15="http://schemas.microsoft.com/office/thememl/2012/main" name="Office Theme" id="{62F939B6-93AF-4DB8-9C6B-D6C7DFDC589F}" vid="{4A3C46E8-61CC-4603-A589-7422A47A8E4A}"/>
@@ -25266,6 +25576,8 @@
       </a:bgFillStyleLst>
     </a:fmtScheme>
   </a:themeElements>
+  <a:objectDefaults/>
+  <a:extraClrSchemeLst/>
   <a:extLst>
     <a:ext uri="{05A4C25C-085E-4340-85A3-A5531E510DB2}">
       <thm15:themeFamily xmlns:thm15="http://schemas.microsoft.com/office/thememl/2012/main" name="Office Theme" id="{62F939B6-93AF-4DB8-9C6B-D6C7DFDC589F}" vid="{4A3C46E8-61CC-4603-A589-7422A47A8E4A}"/>
